--- a/IJCAI_DC.pptx
+++ b/IJCAI_DC.pptx
@@ -202,7 +202,7 @@
           <a:p>
             <a:fld id="{5B66CBBB-D1F1-434B-B430-576F99A3CC27}" type="datetimeFigureOut">
               <a:rPr lang="en-US" smtClean="0"/>
-              <a:t>2022-07-07</a:t>
+              <a:t>2022-07-14</a:t>
             </a:fld>
             <a:endParaRPr lang="en-US"/>
           </a:p>
@@ -601,7 +601,7 @@
           <a:p>
             <a:fld id="{9BD70275-897C-4579-BF1E-361060FD2E18}" type="datetimeFigureOut">
               <a:rPr lang="en-US" smtClean="0"/>
-              <a:t>2022-07-07</a:t>
+              <a:t>2022-07-14</a:t>
             </a:fld>
             <a:endParaRPr lang="en-US"/>
           </a:p>
@@ -771,7 +771,7 @@
           <a:p>
             <a:fld id="{9BD70275-897C-4579-BF1E-361060FD2E18}" type="datetimeFigureOut">
               <a:rPr lang="en-US" smtClean="0"/>
-              <a:t>2022-07-07</a:t>
+              <a:t>2022-07-14</a:t>
             </a:fld>
             <a:endParaRPr lang="en-US"/>
           </a:p>
@@ -951,7 +951,7 @@
           <a:p>
             <a:fld id="{9BD70275-897C-4579-BF1E-361060FD2E18}" type="datetimeFigureOut">
               <a:rPr lang="en-US" smtClean="0"/>
-              <a:t>2022-07-07</a:t>
+              <a:t>2022-07-14</a:t>
             </a:fld>
             <a:endParaRPr lang="en-US"/>
           </a:p>
@@ -1121,7 +1121,7 @@
           <a:p>
             <a:fld id="{9BD70275-897C-4579-BF1E-361060FD2E18}" type="datetimeFigureOut">
               <a:rPr lang="en-US" smtClean="0"/>
-              <a:t>2022-07-07</a:t>
+              <a:t>2022-07-14</a:t>
             </a:fld>
             <a:endParaRPr lang="en-US"/>
           </a:p>
@@ -1367,7 +1367,7 @@
           <a:p>
             <a:fld id="{9BD70275-897C-4579-BF1E-361060FD2E18}" type="datetimeFigureOut">
               <a:rPr lang="en-US" smtClean="0"/>
-              <a:t>2022-07-07</a:t>
+              <a:t>2022-07-14</a:t>
             </a:fld>
             <a:endParaRPr lang="en-US"/>
           </a:p>
@@ -1599,7 +1599,7 @@
           <a:p>
             <a:fld id="{9BD70275-897C-4579-BF1E-361060FD2E18}" type="datetimeFigureOut">
               <a:rPr lang="en-US" smtClean="0"/>
-              <a:t>2022-07-07</a:t>
+              <a:t>2022-07-14</a:t>
             </a:fld>
             <a:endParaRPr lang="en-US"/>
           </a:p>
@@ -1966,7 +1966,7 @@
           <a:p>
             <a:fld id="{9BD70275-897C-4579-BF1E-361060FD2E18}" type="datetimeFigureOut">
               <a:rPr lang="en-US" smtClean="0"/>
-              <a:t>2022-07-07</a:t>
+              <a:t>2022-07-14</a:t>
             </a:fld>
             <a:endParaRPr lang="en-US"/>
           </a:p>
@@ -2084,7 +2084,7 @@
           <a:p>
             <a:fld id="{9BD70275-897C-4579-BF1E-361060FD2E18}" type="datetimeFigureOut">
               <a:rPr lang="en-US" smtClean="0"/>
-              <a:t>2022-07-07</a:t>
+              <a:t>2022-07-14</a:t>
             </a:fld>
             <a:endParaRPr lang="en-US"/>
           </a:p>
@@ -2179,7 +2179,7 @@
           <a:p>
             <a:fld id="{9BD70275-897C-4579-BF1E-361060FD2E18}" type="datetimeFigureOut">
               <a:rPr lang="en-US" smtClean="0"/>
-              <a:t>2022-07-07</a:t>
+              <a:t>2022-07-14</a:t>
             </a:fld>
             <a:endParaRPr lang="en-US"/>
           </a:p>
@@ -2456,7 +2456,7 @@
           <a:p>
             <a:fld id="{9BD70275-897C-4579-BF1E-361060FD2E18}" type="datetimeFigureOut">
               <a:rPr lang="en-US" smtClean="0"/>
-              <a:t>2022-07-07</a:t>
+              <a:t>2022-07-14</a:t>
             </a:fld>
             <a:endParaRPr lang="en-US"/>
           </a:p>
@@ -2709,7 +2709,7 @@
           <a:p>
             <a:fld id="{9BD70275-897C-4579-BF1E-361060FD2E18}" type="datetimeFigureOut">
               <a:rPr lang="en-US" smtClean="0"/>
-              <a:t>2022-07-07</a:t>
+              <a:t>2022-07-14</a:t>
             </a:fld>
             <a:endParaRPr lang="en-US"/>
           </a:p>
@@ -2922,7 +2922,7 @@
           <a:p>
             <a:fld id="{9BD70275-897C-4579-BF1E-361060FD2E18}" type="datetimeFigureOut">
               <a:rPr lang="en-US" smtClean="0"/>
-              <a:t>2022-07-07</a:t>
+              <a:t>2022-07-14</a:t>
             </a:fld>
             <a:endParaRPr lang="en-US"/>
           </a:p>
@@ -3351,7 +3351,15 @@
           <a:p>
             <a:r>
               <a:rPr lang="en-US" sz="4000" dirty="0" smtClean="0"/>
-              <a:t>Decomposition Methods for Solving Scheduling Problem using Answer Set Programming</a:t>
+              <a:t>Decomposition Methods for Solving Scheduling </a:t>
+            </a:r>
+            <a:r>
+              <a:rPr lang="en-US" sz="4000" dirty="0" smtClean="0"/>
+              <a:t>Problems </a:t>
+            </a:r>
+            <a:r>
+              <a:rPr lang="en-US" sz="4000" dirty="0" smtClean="0"/>
+              <a:t>using Answer Set Programming</a:t>
             </a:r>
             <a:endParaRPr lang="en-US" sz="4000" dirty="0"/>
           </a:p>
@@ -3405,15 +3413,7 @@
           <a:p>
             <a:r>
               <a:rPr lang="en-US" i="1" dirty="0" smtClean="0"/>
-              <a:t>Assoc. Prof. </a:t>
-            </a:r>
-            <a:r>
-              <a:rPr lang="en-US" i="1" dirty="0" smtClean="0"/>
-              <a:t>Dr. Konstantin </a:t>
-            </a:r>
-            <a:r>
-              <a:rPr lang="en-US" i="1" dirty="0" smtClean="0"/>
-              <a:t>Schekotihin</a:t>
+              <a:t>Assoc. Prof. Dr. Konstantin Schekotihin</a:t>
             </a:r>
           </a:p>
           <a:p>
@@ -4923,19 +4923,7 @@
           <a:p>
             <a:r>
               <a:rPr lang="en-US" dirty="0" smtClean="0"/>
-              <a:t>Job-shop Scheduling with </a:t>
-            </a:r>
-            <a:r>
-              <a:rPr lang="en-US" dirty="0" smtClean="0"/>
-              <a:t>4 </a:t>
-            </a:r>
-            <a:r>
-              <a:rPr lang="en-US" dirty="0" smtClean="0"/>
-              <a:t>jobs &amp; </a:t>
-            </a:r>
-            <a:r>
-              <a:rPr lang="en-US" dirty="0" smtClean="0"/>
-              <a:t>3 machines</a:t>
+              <a:t>Job-shop Scheduling with 4 jobs &amp; 3 machines</a:t>
             </a:r>
             <a:endParaRPr lang="en-US" dirty="0"/>
           </a:p>
@@ -8233,11 +8221,7 @@
           <a:p>
             <a:r>
               <a:rPr lang="en-US" dirty="0" smtClean="0"/>
-              <a:t>Decomposition for </a:t>
-            </a:r>
-            <a:r>
-              <a:rPr lang="en-US" dirty="0" smtClean="0"/>
-              <a:t>Job-shop Scheduling</a:t>
+              <a:t>Decomposition for Job-shop Scheduling</a:t>
             </a:r>
             <a:endParaRPr lang="en-US" dirty="0"/>
           </a:p>
@@ -12932,14 +12916,12 @@
               <a:rPr lang="en-US" dirty="0" smtClean="0"/>
               <a:t>Global scheduling on small-scale datasets</a:t>
             </a:r>
-            <a:endParaRPr lang="en-US" dirty="0" smtClean="0"/>
           </a:p>
           <a:p>
             <a:r>
               <a:rPr lang="en-US" dirty="0" smtClean="0"/>
               <a:t>Decomposition strategies and multi-shot solving for large-scale instances</a:t>
             </a:r>
-            <a:endParaRPr lang="en-US" dirty="0" smtClean="0"/>
           </a:p>
         </p:txBody>
       </p:sp>
